--- a/artifacts/diagrams/WWI.pptx
+++ b/artifacts/diagrams/WWI.pptx
@@ -208,7 +208,7 @@
           <a:p>
             <a:fld id="{5447611F-119E-4C7B-9DA5-B098763A6383}" type="datetimeFigureOut">
               <a:rPr lang="en-US" smtClean="0"/>
-              <a:t>8/27/2021</a:t>
+              <a:t>9/24/2021</a:t>
             </a:fld>
             <a:endParaRPr lang="en-US"/>
           </a:p>
@@ -718,7 +718,7 @@
           <a:p>
             <a:fld id="{A8C496D2-59B6-4E22-ABFC-16B54D9A864A}" type="datetimeFigureOut">
               <a:rPr lang="en-US" smtClean="0"/>
-              <a:t>8/27/2021</a:t>
+              <a:t>9/24/2021</a:t>
             </a:fld>
             <a:endParaRPr lang="en-US"/>
           </a:p>
@@ -916,7 +916,7 @@
           <a:p>
             <a:fld id="{A8C496D2-59B6-4E22-ABFC-16B54D9A864A}" type="datetimeFigureOut">
               <a:rPr lang="en-US" smtClean="0"/>
-              <a:t>8/27/2021</a:t>
+              <a:t>9/24/2021</a:t>
             </a:fld>
             <a:endParaRPr lang="en-US"/>
           </a:p>
@@ -1124,7 +1124,7 @@
           <a:p>
             <a:fld id="{A8C496D2-59B6-4E22-ABFC-16B54D9A864A}" type="datetimeFigureOut">
               <a:rPr lang="en-US" smtClean="0"/>
-              <a:t>8/27/2021</a:t>
+              <a:t>9/24/2021</a:t>
             </a:fld>
             <a:endParaRPr lang="en-US"/>
           </a:p>
@@ -1322,7 +1322,7 @@
           <a:p>
             <a:fld id="{A8C496D2-59B6-4E22-ABFC-16B54D9A864A}" type="datetimeFigureOut">
               <a:rPr lang="en-US" smtClean="0"/>
-              <a:t>8/27/2021</a:t>
+              <a:t>9/24/2021</a:t>
             </a:fld>
             <a:endParaRPr lang="en-US"/>
           </a:p>
@@ -1597,7 +1597,7 @@
           <a:p>
             <a:fld id="{A8C496D2-59B6-4E22-ABFC-16B54D9A864A}" type="datetimeFigureOut">
               <a:rPr lang="en-US" smtClean="0"/>
-              <a:t>8/27/2021</a:t>
+              <a:t>9/24/2021</a:t>
             </a:fld>
             <a:endParaRPr lang="en-US"/>
           </a:p>
@@ -1862,7 +1862,7 @@
           <a:p>
             <a:fld id="{A8C496D2-59B6-4E22-ABFC-16B54D9A864A}" type="datetimeFigureOut">
               <a:rPr lang="en-US" smtClean="0"/>
-              <a:t>8/27/2021</a:t>
+              <a:t>9/24/2021</a:t>
             </a:fld>
             <a:endParaRPr lang="en-US"/>
           </a:p>
@@ -2274,7 +2274,7 @@
           <a:p>
             <a:fld id="{A8C496D2-59B6-4E22-ABFC-16B54D9A864A}" type="datetimeFigureOut">
               <a:rPr lang="en-US" smtClean="0"/>
-              <a:t>8/27/2021</a:t>
+              <a:t>9/24/2021</a:t>
             </a:fld>
             <a:endParaRPr lang="en-US"/>
           </a:p>
@@ -2415,7 +2415,7 @@
           <a:p>
             <a:fld id="{A8C496D2-59B6-4E22-ABFC-16B54D9A864A}" type="datetimeFigureOut">
               <a:rPr lang="en-US" smtClean="0"/>
-              <a:t>8/27/2021</a:t>
+              <a:t>9/24/2021</a:t>
             </a:fld>
             <a:endParaRPr lang="en-US"/>
           </a:p>
@@ -2528,7 +2528,7 @@
           <a:p>
             <a:fld id="{A8C496D2-59B6-4E22-ABFC-16B54D9A864A}" type="datetimeFigureOut">
               <a:rPr lang="en-US" smtClean="0"/>
-              <a:t>8/27/2021</a:t>
+              <a:t>9/24/2021</a:t>
             </a:fld>
             <a:endParaRPr lang="en-US"/>
           </a:p>
@@ -2839,7 +2839,7 @@
           <a:p>
             <a:fld id="{A8C496D2-59B6-4E22-ABFC-16B54D9A864A}" type="datetimeFigureOut">
               <a:rPr lang="en-US" smtClean="0"/>
-              <a:t>8/27/2021</a:t>
+              <a:t>9/24/2021</a:t>
             </a:fld>
             <a:endParaRPr lang="en-US"/>
           </a:p>
@@ -3127,7 +3127,7 @@
           <a:p>
             <a:fld id="{A8C496D2-59B6-4E22-ABFC-16B54D9A864A}" type="datetimeFigureOut">
               <a:rPr lang="en-US" smtClean="0"/>
-              <a:t>8/27/2021</a:t>
+              <a:t>9/24/2021</a:t>
             </a:fld>
             <a:endParaRPr lang="en-US"/>
           </a:p>
@@ -3368,7 +3368,7 @@
           <a:p>
             <a:fld id="{A8C496D2-59B6-4E22-ABFC-16B54D9A864A}" type="datetimeFigureOut">
               <a:rPr lang="en-US" smtClean="0"/>
-              <a:t>8/27/2021</a:t>
+              <a:t>9/24/2021</a:t>
             </a:fld>
             <a:endParaRPr lang="en-US"/>
           </a:p>
@@ -5101,10 +5101,10 @@
       </p:sp>
       <p:pic>
         <p:nvPicPr>
-          <p:cNvPr id="1026" name="Picture 2" descr="Free Redis Flat Icon - Available in SVG, PNG, EPS, AI &amp;amp; Icon fonts">
-            <a:extLst>
-              <a:ext uri="{FF2B5EF4-FFF2-40B4-BE49-F238E27FC236}">
-                <a16:creationId xmlns:a16="http://schemas.microsoft.com/office/drawing/2014/main" id="{0469CBE6-CB6C-4725-A210-0AFEC4E99FE6}"/>
+          <p:cNvPr id="4" name="Picture 2">
+            <a:extLst>
+              <a:ext uri="{FF2B5EF4-FFF2-40B4-BE49-F238E27FC236}">
+                <a16:creationId xmlns:a16="http://schemas.microsoft.com/office/drawing/2014/main" id="{BECCFF67-FF63-4C5F-AB5F-F36DD8CA13B8}"/>
               </a:ext>
             </a:extLst>
           </p:cNvPr>
@@ -5128,8 +5128,8 @@
         </p:blipFill>
         <p:spPr bwMode="auto">
           <a:xfrm>
-            <a:off x="2187489" y="4993946"/>
-            <a:ext cx="750388" cy="750388"/>
+            <a:off x="1988080" y="5051877"/>
+            <a:ext cx="1185770" cy="622530"/>
           </a:xfrm>
           <a:prstGeom prst="rect">
             <a:avLst/>
@@ -5148,10 +5148,10 @@
       </p:pic>
       <p:pic>
         <p:nvPicPr>
-          <p:cNvPr id="40" name="Picture 2" descr="Free Redis Flat Icon - Available in SVG, PNG, EPS, AI &amp;amp; Icon fonts">
-            <a:extLst>
-              <a:ext uri="{FF2B5EF4-FFF2-40B4-BE49-F238E27FC236}">
-                <a16:creationId xmlns:a16="http://schemas.microsoft.com/office/drawing/2014/main" id="{3C1C7DBC-7E85-4A19-B678-374023207C1F}"/>
+          <p:cNvPr id="44" name="Picture 2">
+            <a:extLst>
+              <a:ext uri="{FF2B5EF4-FFF2-40B4-BE49-F238E27FC236}">
+                <a16:creationId xmlns:a16="http://schemas.microsoft.com/office/drawing/2014/main" id="{674DD6B9-9EFF-4553-BCD7-9D68CFAECEA4}"/>
               </a:ext>
             </a:extLst>
           </p:cNvPr>
@@ -5175,8 +5175,8 @@
         </p:blipFill>
         <p:spPr bwMode="auto">
           <a:xfrm>
-            <a:off x="3492034" y="3949620"/>
-            <a:ext cx="750388" cy="750388"/>
+            <a:off x="3286429" y="3988022"/>
+            <a:ext cx="1185770" cy="622530"/>
           </a:xfrm>
           <a:prstGeom prst="rect">
             <a:avLst/>
@@ -5195,10 +5195,10 @@
       </p:pic>
       <p:pic>
         <p:nvPicPr>
-          <p:cNvPr id="41" name="Picture 2" descr="Free Redis Flat Icon - Available in SVG, PNG, EPS, AI &amp;amp; Icon fonts">
-            <a:extLst>
-              <a:ext uri="{FF2B5EF4-FFF2-40B4-BE49-F238E27FC236}">
-                <a16:creationId xmlns:a16="http://schemas.microsoft.com/office/drawing/2014/main" id="{5AD04F61-DB93-4C18-A521-B149145037CF}"/>
+          <p:cNvPr id="45" name="Picture 2">
+            <a:extLst>
+              <a:ext uri="{FF2B5EF4-FFF2-40B4-BE49-F238E27FC236}">
+                <a16:creationId xmlns:a16="http://schemas.microsoft.com/office/drawing/2014/main" id="{42F99570-FDF8-4A22-9009-094908DA014B}"/>
               </a:ext>
             </a:extLst>
           </p:cNvPr>
@@ -5222,8 +5222,8 @@
         </p:blipFill>
         <p:spPr bwMode="auto">
           <a:xfrm>
-            <a:off x="4796523" y="2878544"/>
-            <a:ext cx="750388" cy="750388"/>
+            <a:off x="4609359" y="2931460"/>
+            <a:ext cx="1185770" cy="622530"/>
           </a:xfrm>
           <a:prstGeom prst="rect">
             <a:avLst/>
@@ -5242,10 +5242,10 @@
       </p:pic>
       <p:pic>
         <p:nvPicPr>
-          <p:cNvPr id="42" name="Picture 2" descr="Free Redis Flat Icon - Available in SVG, PNG, EPS, AI &amp;amp; Icon fonts">
-            <a:extLst>
-              <a:ext uri="{FF2B5EF4-FFF2-40B4-BE49-F238E27FC236}">
-                <a16:creationId xmlns:a16="http://schemas.microsoft.com/office/drawing/2014/main" id="{1647BF51-6EA7-4C43-BFFA-91A6A4BE9F43}"/>
+          <p:cNvPr id="46" name="Picture 2">
+            <a:extLst>
+              <a:ext uri="{FF2B5EF4-FFF2-40B4-BE49-F238E27FC236}">
+                <a16:creationId xmlns:a16="http://schemas.microsoft.com/office/drawing/2014/main" id="{10540244-1AEF-4F13-9D71-A11AA2AB29B2}"/>
               </a:ext>
             </a:extLst>
           </p:cNvPr>
@@ -5269,8 +5269,8 @@
         </p:blipFill>
         <p:spPr bwMode="auto">
           <a:xfrm>
-            <a:off x="6096000" y="1825757"/>
-            <a:ext cx="750388" cy="750388"/>
+            <a:off x="5928490" y="1898958"/>
+            <a:ext cx="1185770" cy="622530"/>
           </a:xfrm>
           <a:prstGeom prst="rect">
             <a:avLst/>

--- a/artifacts/diagrams/WWI.pptx
+++ b/artifacts/diagrams/WWI.pptx
@@ -208,7 +208,7 @@
           <a:p>
             <a:fld id="{5447611F-119E-4C7B-9DA5-B098763A6383}" type="datetimeFigureOut">
               <a:rPr lang="en-US" smtClean="0"/>
-              <a:t>9/24/2021</a:t>
+              <a:t>10/13/2021</a:t>
             </a:fld>
             <a:endParaRPr lang="en-US"/>
           </a:p>
@@ -718,7 +718,7 @@
           <a:p>
             <a:fld id="{A8C496D2-59B6-4E22-ABFC-16B54D9A864A}" type="datetimeFigureOut">
               <a:rPr lang="en-US" smtClean="0"/>
-              <a:t>9/24/2021</a:t>
+              <a:t>10/13/2021</a:t>
             </a:fld>
             <a:endParaRPr lang="en-US"/>
           </a:p>
@@ -916,7 +916,7 @@
           <a:p>
             <a:fld id="{A8C496D2-59B6-4E22-ABFC-16B54D9A864A}" type="datetimeFigureOut">
               <a:rPr lang="en-US" smtClean="0"/>
-              <a:t>9/24/2021</a:t>
+              <a:t>10/13/2021</a:t>
             </a:fld>
             <a:endParaRPr lang="en-US"/>
           </a:p>
@@ -1124,7 +1124,7 @@
           <a:p>
             <a:fld id="{A8C496D2-59B6-4E22-ABFC-16B54D9A864A}" type="datetimeFigureOut">
               <a:rPr lang="en-US" smtClean="0"/>
-              <a:t>9/24/2021</a:t>
+              <a:t>10/13/2021</a:t>
             </a:fld>
             <a:endParaRPr lang="en-US"/>
           </a:p>
@@ -1322,7 +1322,7 @@
           <a:p>
             <a:fld id="{A8C496D2-59B6-4E22-ABFC-16B54D9A864A}" type="datetimeFigureOut">
               <a:rPr lang="en-US" smtClean="0"/>
-              <a:t>9/24/2021</a:t>
+              <a:t>10/13/2021</a:t>
             </a:fld>
             <a:endParaRPr lang="en-US"/>
           </a:p>
@@ -1597,7 +1597,7 @@
           <a:p>
             <a:fld id="{A8C496D2-59B6-4E22-ABFC-16B54D9A864A}" type="datetimeFigureOut">
               <a:rPr lang="en-US" smtClean="0"/>
-              <a:t>9/24/2021</a:t>
+              <a:t>10/13/2021</a:t>
             </a:fld>
             <a:endParaRPr lang="en-US"/>
           </a:p>
@@ -1862,7 +1862,7 @@
           <a:p>
             <a:fld id="{A8C496D2-59B6-4E22-ABFC-16B54D9A864A}" type="datetimeFigureOut">
               <a:rPr lang="en-US" smtClean="0"/>
-              <a:t>9/24/2021</a:t>
+              <a:t>10/13/2021</a:t>
             </a:fld>
             <a:endParaRPr lang="en-US"/>
           </a:p>
@@ -2274,7 +2274,7 @@
           <a:p>
             <a:fld id="{A8C496D2-59B6-4E22-ABFC-16B54D9A864A}" type="datetimeFigureOut">
               <a:rPr lang="en-US" smtClean="0"/>
-              <a:t>9/24/2021</a:t>
+              <a:t>10/13/2021</a:t>
             </a:fld>
             <a:endParaRPr lang="en-US"/>
           </a:p>
@@ -2415,7 +2415,7 @@
           <a:p>
             <a:fld id="{A8C496D2-59B6-4E22-ABFC-16B54D9A864A}" type="datetimeFigureOut">
               <a:rPr lang="en-US" smtClean="0"/>
-              <a:t>9/24/2021</a:t>
+              <a:t>10/13/2021</a:t>
             </a:fld>
             <a:endParaRPr lang="en-US"/>
           </a:p>
@@ -2528,7 +2528,7 @@
           <a:p>
             <a:fld id="{A8C496D2-59B6-4E22-ABFC-16B54D9A864A}" type="datetimeFigureOut">
               <a:rPr lang="en-US" smtClean="0"/>
-              <a:t>9/24/2021</a:t>
+              <a:t>10/13/2021</a:t>
             </a:fld>
             <a:endParaRPr lang="en-US"/>
           </a:p>
@@ -2839,7 +2839,7 @@
           <a:p>
             <a:fld id="{A8C496D2-59B6-4E22-ABFC-16B54D9A864A}" type="datetimeFigureOut">
               <a:rPr lang="en-US" smtClean="0"/>
-              <a:t>9/24/2021</a:t>
+              <a:t>10/13/2021</a:t>
             </a:fld>
             <a:endParaRPr lang="en-US"/>
           </a:p>
@@ -3127,7 +3127,7 @@
           <a:p>
             <a:fld id="{A8C496D2-59B6-4E22-ABFC-16B54D9A864A}" type="datetimeFigureOut">
               <a:rPr lang="en-US" smtClean="0"/>
-              <a:t>9/24/2021</a:t>
+              <a:t>10/13/2021</a:t>
             </a:fld>
             <a:endParaRPr lang="en-US"/>
           </a:p>
@@ -3368,7 +3368,7 @@
           <a:p>
             <a:fld id="{A8C496D2-59B6-4E22-ABFC-16B54D9A864A}" type="datetimeFigureOut">
               <a:rPr lang="en-US" smtClean="0"/>
-              <a:t>9/24/2021</a:t>
+              <a:t>10/13/2021</a:t>
             </a:fld>
             <a:endParaRPr lang="en-US"/>
           </a:p>
@@ -5101,10 +5101,10 @@
       </p:sp>
       <p:pic>
         <p:nvPicPr>
-          <p:cNvPr id="4" name="Picture 2">
-            <a:extLst>
-              <a:ext uri="{FF2B5EF4-FFF2-40B4-BE49-F238E27FC236}">
-                <a16:creationId xmlns:a16="http://schemas.microsoft.com/office/drawing/2014/main" id="{BECCFF67-FF63-4C5F-AB5F-F36DD8CA13B8}"/>
+          <p:cNvPr id="46" name="Picture 2">
+            <a:extLst>
+              <a:ext uri="{FF2B5EF4-FFF2-40B4-BE49-F238E27FC236}">
+                <a16:creationId xmlns:a16="http://schemas.microsoft.com/office/drawing/2014/main" id="{10540244-1AEF-4F13-9D71-A11AA2AB29B2}"/>
               </a:ext>
             </a:extLst>
           </p:cNvPr>
@@ -5128,7 +5128,7 @@
         </p:blipFill>
         <p:spPr bwMode="auto">
           <a:xfrm>
-            <a:off x="1988080" y="5051877"/>
+            <a:off x="5928490" y="1898958"/>
             <a:ext cx="1185770" cy="622530"/>
           </a:xfrm>
           <a:prstGeom prst="rect">
@@ -5148,10 +5148,10 @@
       </p:pic>
       <p:pic>
         <p:nvPicPr>
-          <p:cNvPr id="44" name="Picture 2">
-            <a:extLst>
-              <a:ext uri="{FF2B5EF4-FFF2-40B4-BE49-F238E27FC236}">
-                <a16:creationId xmlns:a16="http://schemas.microsoft.com/office/drawing/2014/main" id="{674DD6B9-9EFF-4553-BCD7-9D68CFAECEA4}"/>
+          <p:cNvPr id="1026" name="Picture 2">
+            <a:extLst>
+              <a:ext uri="{FF2B5EF4-FFF2-40B4-BE49-F238E27FC236}">
+                <a16:creationId xmlns:a16="http://schemas.microsoft.com/office/drawing/2014/main" id="{5EC2890C-61EA-43B6-9434-F51D5C7E007B}"/>
               </a:ext>
             </a:extLst>
           </p:cNvPr>
@@ -5161,7 +5161,7 @@
           <p:nvPr/>
         </p:nvPicPr>
         <p:blipFill>
-          <a:blip r:embed="rId3">
+          <a:blip r:embed="rId4">
             <a:extLst>
               <a:ext uri="{28A0092B-C50C-407E-A947-70E740481C1C}">
                 <a14:useLocalDpi xmlns:a14="http://schemas.microsoft.com/office/drawing/2010/main" val="0"/>
@@ -5175,8 +5175,8 @@
         </p:blipFill>
         <p:spPr bwMode="auto">
           <a:xfrm>
-            <a:off x="3286429" y="3988022"/>
-            <a:ext cx="1185770" cy="622530"/>
+            <a:off x="1737178" y="4730486"/>
+            <a:ext cx="1581386" cy="1112827"/>
           </a:xfrm>
           <a:prstGeom prst="rect">
             <a:avLst/>
@@ -5195,10 +5195,10 @@
       </p:pic>
       <p:pic>
         <p:nvPicPr>
-          <p:cNvPr id="45" name="Picture 2">
-            <a:extLst>
-              <a:ext uri="{FF2B5EF4-FFF2-40B4-BE49-F238E27FC236}">
-                <a16:creationId xmlns:a16="http://schemas.microsoft.com/office/drawing/2014/main" id="{42F99570-FDF8-4A22-9009-094908DA014B}"/>
+          <p:cNvPr id="40" name="Picture 2">
+            <a:extLst>
+              <a:ext uri="{FF2B5EF4-FFF2-40B4-BE49-F238E27FC236}">
+                <a16:creationId xmlns:a16="http://schemas.microsoft.com/office/drawing/2014/main" id="{21B74AA7-6196-4A8E-AED4-DD4F24607D3D}"/>
               </a:ext>
             </a:extLst>
           </p:cNvPr>
@@ -5208,7 +5208,7 @@
           <p:nvPr/>
         </p:nvPicPr>
         <p:blipFill>
-          <a:blip r:embed="rId3">
+          <a:blip r:embed="rId4">
             <a:extLst>
               <a:ext uri="{28A0092B-C50C-407E-A947-70E740481C1C}">
                 <a14:useLocalDpi xmlns:a14="http://schemas.microsoft.com/office/drawing/2010/main" val="0"/>
@@ -5222,8 +5222,8 @@
         </p:blipFill>
         <p:spPr bwMode="auto">
           <a:xfrm>
-            <a:off x="4609359" y="2931460"/>
-            <a:ext cx="1185770" cy="622530"/>
+            <a:off x="3114300" y="3709898"/>
+            <a:ext cx="1581386" cy="1112827"/>
           </a:xfrm>
           <a:prstGeom prst="rect">
             <a:avLst/>
@@ -5242,10 +5242,10 @@
       </p:pic>
       <p:pic>
         <p:nvPicPr>
-          <p:cNvPr id="46" name="Picture 2">
-            <a:extLst>
-              <a:ext uri="{FF2B5EF4-FFF2-40B4-BE49-F238E27FC236}">
-                <a16:creationId xmlns:a16="http://schemas.microsoft.com/office/drawing/2014/main" id="{10540244-1AEF-4F13-9D71-A11AA2AB29B2}"/>
+          <p:cNvPr id="41" name="Picture 2">
+            <a:extLst>
+              <a:ext uri="{FF2B5EF4-FFF2-40B4-BE49-F238E27FC236}">
+                <a16:creationId xmlns:a16="http://schemas.microsoft.com/office/drawing/2014/main" id="{1891C2BF-EC15-4BFC-82C0-0DF86F4B94CC}"/>
               </a:ext>
             </a:extLst>
           </p:cNvPr>
@@ -5255,7 +5255,7 @@
           <p:nvPr/>
         </p:nvPicPr>
         <p:blipFill>
-          <a:blip r:embed="rId3">
+          <a:blip r:embed="rId4">
             <a:extLst>
               <a:ext uri="{28A0092B-C50C-407E-A947-70E740481C1C}">
                 <a14:useLocalDpi xmlns:a14="http://schemas.microsoft.com/office/drawing/2010/main" val="0"/>
@@ -5269,8 +5269,8 @@
         </p:blipFill>
         <p:spPr bwMode="auto">
           <a:xfrm>
-            <a:off x="5928490" y="1898958"/>
-            <a:ext cx="1185770" cy="622530"/>
+            <a:off x="4397808" y="2680444"/>
+            <a:ext cx="1581386" cy="1112827"/>
           </a:xfrm>
           <a:prstGeom prst="rect">
             <a:avLst/>
